--- a/Journey-Entra-CIAM-and-VC/Journey-Entra-CIAM-and-VC.pptx
+++ b/Journey-Entra-CIAM-and-VC/Journey-Entra-CIAM-and-VC.pptx
@@ -17,11 +17,11 @@
     <p:sldId id="271" r:id="rId11"/>
     <p:sldId id="280" r:id="rId12"/>
     <p:sldId id="263" r:id="rId13"/>
-    <p:sldId id="275" r:id="rId14"/>
-    <p:sldId id="269" r:id="rId15"/>
-    <p:sldId id="277" r:id="rId16"/>
-    <p:sldId id="276" r:id="rId17"/>
-    <p:sldId id="279" r:id="rId18"/>
+    <p:sldId id="269" r:id="rId14"/>
+    <p:sldId id="277" r:id="rId15"/>
+    <p:sldId id="276" r:id="rId16"/>
+    <p:sldId id="279" r:id="rId17"/>
+    <p:sldId id="281" r:id="rId18"/>
     <p:sldId id="260" r:id="rId19"/>
     <p:sldId id="274" r:id="rId20"/>
     <p:sldId id="258" r:id="rId21"/>
@@ -6185,6 +6185,36 @@
           <a:chExt cx="0" cy="0"/>
         </a:xfrm>
       </p:grpSpPr>
+      <p:pic>
+        <p:nvPicPr>
+          <p:cNvPr id="5" name="Picture 4">
+            <a:extLst>
+              <a:ext uri="{FF2B5EF4-FFF2-40B4-BE49-F238E27FC236}">
+                <a16:creationId xmlns:a16="http://schemas.microsoft.com/office/drawing/2014/main" id="{26B1F25D-99CB-9537-1582-A7009C8DB08C}"/>
+              </a:ext>
+            </a:extLst>
+          </p:cNvPr>
+          <p:cNvPicPr>
+            <a:picLocks noChangeAspect="1"/>
+          </p:cNvPicPr>
+          <p:nvPr/>
+        </p:nvPicPr>
+        <p:blipFill>
+          <a:blip r:embed="rId2"/>
+          <a:stretch>
+            <a:fillRect/>
+          </a:stretch>
+        </p:blipFill>
+        <p:spPr>
+          <a:xfrm>
+            <a:off x="1929699" y="2037522"/>
+            <a:ext cx="8332601" cy="4746265"/>
+          </a:xfrm>
+          <a:prstGeom prst="rect">
+            <a:avLst/>
+          </a:prstGeom>
+        </p:spPr>
+      </p:pic>
       <p:sp>
         <p:nvSpPr>
           <p:cNvPr id="7" name="TextBox 6">
@@ -6221,7 +6251,7 @@
                 <a:latin typeface="Arial" panose="020B0604020202020204" pitchFamily="34" charset="0"/>
                 <a:cs typeface="Arial" panose="020B0604020202020204" pitchFamily="34" charset="0"/>
               </a:rPr>
-              <a:t>VC Portal</a:t>
+              <a:t>VC sample scenario</a:t>
             </a:r>
             <a:endParaRPr lang="en-NZ" sz="4000" dirty="0">
               <a:solidFill>
@@ -6233,58 +6263,10 @@
           </a:p>
         </p:txBody>
       </p:sp>
-      <p:sp>
-        <p:nvSpPr>
-          <p:cNvPr id="5" name="TextBox 4">
-            <a:extLst>
-              <a:ext uri="{FF2B5EF4-FFF2-40B4-BE49-F238E27FC236}">
-                <a16:creationId xmlns:a16="http://schemas.microsoft.com/office/drawing/2014/main" id="{7C0360A3-F907-4780-29D9-3AF4B45ACDE7}"/>
-              </a:ext>
-            </a:extLst>
-          </p:cNvPr>
-          <p:cNvSpPr txBox="1"/>
-          <p:nvPr/>
-        </p:nvSpPr>
-        <p:spPr>
-          <a:xfrm>
-            <a:off x="5229369" y="2911886"/>
-            <a:ext cx="3868449" cy="1015663"/>
-          </a:xfrm>
-          <a:prstGeom prst="rect">
-            <a:avLst/>
-          </a:prstGeom>
-          <a:noFill/>
-        </p:spPr>
-        <p:txBody>
-          <a:bodyPr wrap="square" rtlCol="0">
-            <a:spAutoFit/>
-          </a:bodyPr>
-          <a:lstStyle/>
-          <a:p>
-            <a:r>
-              <a:rPr lang="en-US" sz="6000" dirty="0">
-                <a:solidFill>
-                  <a:schemeClr val="bg1"/>
-                </a:solidFill>
-                <a:latin typeface="Arial" panose="020B0604020202020204" pitchFamily="34" charset="0"/>
-                <a:cs typeface="Arial" panose="020B0604020202020204" pitchFamily="34" charset="0"/>
-              </a:rPr>
-              <a:t>Demo</a:t>
-            </a:r>
-            <a:endParaRPr lang="en-NZ" sz="6000" dirty="0">
-              <a:solidFill>
-                <a:schemeClr val="bg1"/>
-              </a:solidFill>
-              <a:latin typeface="Arial" panose="020B0604020202020204" pitchFamily="34" charset="0"/>
-              <a:cs typeface="Arial" panose="020B0604020202020204" pitchFamily="34" charset="0"/>
-            </a:endParaRPr>
-          </a:p>
-        </p:txBody>
-      </p:sp>
     </p:spTree>
     <p:extLst>
       <p:ext uri="{BB962C8B-B14F-4D97-AF65-F5344CB8AC3E}">
-        <p14:creationId xmlns:p14="http://schemas.microsoft.com/office/powerpoint/2010/main" val="3674839148"/>
+        <p14:creationId xmlns:p14="http://schemas.microsoft.com/office/powerpoint/2010/main" val="1140487516"/>
       </p:ext>
     </p:extLst>
   </p:cSld>
@@ -6319,12 +6301,60 @@
           <a:chExt cx="0" cy="0"/>
         </a:xfrm>
       </p:grpSpPr>
+      <p:sp>
+        <p:nvSpPr>
+          <p:cNvPr id="7" name="TextBox 6">
+            <a:extLst>
+              <a:ext uri="{FF2B5EF4-FFF2-40B4-BE49-F238E27FC236}">
+                <a16:creationId xmlns:a16="http://schemas.microsoft.com/office/drawing/2014/main" id="{77B67BE7-3D6C-4ADC-227D-41269AC9C62D}"/>
+              </a:ext>
+            </a:extLst>
+          </p:cNvPr>
+          <p:cNvSpPr txBox="1"/>
+          <p:nvPr/>
+        </p:nvSpPr>
+        <p:spPr>
+          <a:xfrm>
+            <a:off x="5049078" y="636104"/>
+            <a:ext cx="4880113" cy="707886"/>
+          </a:xfrm>
+          <a:prstGeom prst="rect">
+            <a:avLst/>
+          </a:prstGeom>
+          <a:noFill/>
+        </p:spPr>
+        <p:txBody>
+          <a:bodyPr wrap="square" rtlCol="0">
+            <a:spAutoFit/>
+          </a:bodyPr>
+          <a:lstStyle/>
+          <a:p>
+            <a:r>
+              <a:rPr lang="en-US" sz="4000" dirty="0">
+                <a:solidFill>
+                  <a:schemeClr val="bg1"/>
+                </a:solidFill>
+                <a:latin typeface="Arial" panose="020B0604020202020204" pitchFamily="34" charset="0"/>
+                <a:cs typeface="Arial" panose="020B0604020202020204" pitchFamily="34" charset="0"/>
+              </a:rPr>
+              <a:t>VC flow</a:t>
+            </a:r>
+            <a:endParaRPr lang="en-NZ" sz="4000" dirty="0">
+              <a:solidFill>
+                <a:schemeClr val="bg1"/>
+              </a:solidFill>
+              <a:latin typeface="Arial" panose="020B0604020202020204" pitchFamily="34" charset="0"/>
+              <a:cs typeface="Arial" panose="020B0604020202020204" pitchFamily="34" charset="0"/>
+            </a:endParaRPr>
+          </a:p>
+        </p:txBody>
+      </p:sp>
       <p:pic>
         <p:nvPicPr>
-          <p:cNvPr id="5" name="Picture 4">
+          <p:cNvPr id="3" name="Picture 2">
             <a:extLst>
               <a:ext uri="{FF2B5EF4-FFF2-40B4-BE49-F238E27FC236}">
-                <a16:creationId xmlns:a16="http://schemas.microsoft.com/office/drawing/2014/main" id="{26B1F25D-99CB-9537-1582-A7009C8DB08C}"/>
+                <a16:creationId xmlns:a16="http://schemas.microsoft.com/office/drawing/2014/main" id="{47C723BB-4467-734B-C7BC-285EF415D8F5}"/>
               </a:ext>
             </a:extLst>
           </p:cNvPr>
@@ -6341,66 +6371,18 @@
         </p:blipFill>
         <p:spPr>
           <a:xfrm>
-            <a:off x="1929699" y="2037522"/>
-            <a:ext cx="8332601" cy="4746265"/>
+            <a:off x="1607431" y="1525689"/>
+            <a:ext cx="8977138" cy="4968671"/>
           </a:xfrm>
           <a:prstGeom prst="rect">
             <a:avLst/>
           </a:prstGeom>
         </p:spPr>
       </p:pic>
-      <p:sp>
-        <p:nvSpPr>
-          <p:cNvPr id="7" name="TextBox 6">
-            <a:extLst>
-              <a:ext uri="{FF2B5EF4-FFF2-40B4-BE49-F238E27FC236}">
-                <a16:creationId xmlns:a16="http://schemas.microsoft.com/office/drawing/2014/main" id="{77B67BE7-3D6C-4ADC-227D-41269AC9C62D}"/>
-              </a:ext>
-            </a:extLst>
-          </p:cNvPr>
-          <p:cNvSpPr txBox="1"/>
-          <p:nvPr/>
-        </p:nvSpPr>
-        <p:spPr>
-          <a:xfrm>
-            <a:off x="5049078" y="636104"/>
-            <a:ext cx="4880113" cy="707886"/>
-          </a:xfrm>
-          <a:prstGeom prst="rect">
-            <a:avLst/>
-          </a:prstGeom>
-          <a:noFill/>
-        </p:spPr>
-        <p:txBody>
-          <a:bodyPr wrap="square" rtlCol="0">
-            <a:spAutoFit/>
-          </a:bodyPr>
-          <a:lstStyle/>
-          <a:p>
-            <a:r>
-              <a:rPr lang="en-US" sz="4000" dirty="0">
-                <a:solidFill>
-                  <a:schemeClr val="bg1"/>
-                </a:solidFill>
-                <a:latin typeface="Arial" panose="020B0604020202020204" pitchFamily="34" charset="0"/>
-                <a:cs typeface="Arial" panose="020B0604020202020204" pitchFamily="34" charset="0"/>
-              </a:rPr>
-              <a:t>VC sample scenario</a:t>
-            </a:r>
-            <a:endParaRPr lang="en-NZ" sz="4000" dirty="0">
-              <a:solidFill>
-                <a:schemeClr val="bg1"/>
-              </a:solidFill>
-              <a:latin typeface="Arial" panose="020B0604020202020204" pitchFamily="34" charset="0"/>
-              <a:cs typeface="Arial" panose="020B0604020202020204" pitchFamily="34" charset="0"/>
-            </a:endParaRPr>
-          </a:p>
-        </p:txBody>
-      </p:sp>
     </p:spTree>
     <p:extLst>
       <p:ext uri="{BB962C8B-B14F-4D97-AF65-F5344CB8AC3E}">
-        <p14:creationId xmlns:p14="http://schemas.microsoft.com/office/powerpoint/2010/main" val="1140487516"/>
+        <p14:creationId xmlns:p14="http://schemas.microsoft.com/office/powerpoint/2010/main" val="815601150"/>
       </p:ext>
     </p:extLst>
   </p:cSld>
@@ -6471,7 +6453,7 @@
                 <a:latin typeface="Arial" panose="020B0604020202020204" pitchFamily="34" charset="0"/>
                 <a:cs typeface="Arial" panose="020B0604020202020204" pitchFamily="34" charset="0"/>
               </a:rPr>
-              <a:t>VC flow</a:t>
+              <a:t>VC use cases</a:t>
             </a:r>
             <a:endParaRPr lang="en-NZ" sz="4000" dirty="0">
               <a:solidFill>
@@ -6488,7 +6470,7 @@
           <p:cNvPr id="3" name="Picture 2">
             <a:extLst>
               <a:ext uri="{FF2B5EF4-FFF2-40B4-BE49-F238E27FC236}">
-                <a16:creationId xmlns:a16="http://schemas.microsoft.com/office/drawing/2014/main" id="{47C723BB-4467-734B-C7BC-285EF415D8F5}"/>
+                <a16:creationId xmlns:a16="http://schemas.microsoft.com/office/drawing/2014/main" id="{F8D4AD20-75D8-5EC6-B192-3FA52A2026B6}"/>
               </a:ext>
             </a:extLst>
           </p:cNvPr>
@@ -6505,8 +6487,8 @@
         </p:blipFill>
         <p:spPr>
           <a:xfrm>
-            <a:off x="1607431" y="1525689"/>
-            <a:ext cx="8977138" cy="4968671"/>
+            <a:off x="1706563" y="1450204"/>
+            <a:ext cx="8778873" cy="5326426"/>
           </a:xfrm>
           <a:prstGeom prst="rect">
             <a:avLst/>
@@ -6516,7 +6498,7 @@
     </p:spTree>
     <p:extLst>
       <p:ext uri="{BB962C8B-B14F-4D97-AF65-F5344CB8AC3E}">
-        <p14:creationId xmlns:p14="http://schemas.microsoft.com/office/powerpoint/2010/main" val="815601150"/>
+        <p14:creationId xmlns:p14="http://schemas.microsoft.com/office/powerpoint/2010/main" val="3026029652"/>
       </p:ext>
     </p:extLst>
   </p:cSld>
@@ -6587,7 +6569,7 @@
                 <a:latin typeface="Arial" panose="020B0604020202020204" pitchFamily="34" charset="0"/>
                 <a:cs typeface="Arial" panose="020B0604020202020204" pitchFamily="34" charset="0"/>
               </a:rPr>
-              <a:t>VC use cases</a:t>
+              <a:t>VC Portal</a:t>
             </a:r>
             <a:endParaRPr lang="en-NZ" sz="4000" dirty="0">
               <a:solidFill>
@@ -6599,40 +6581,58 @@
           </a:p>
         </p:txBody>
       </p:sp>
-      <p:pic>
-        <p:nvPicPr>
-          <p:cNvPr id="3" name="Picture 2">
+      <p:sp>
+        <p:nvSpPr>
+          <p:cNvPr id="5" name="TextBox 4">
             <a:extLst>
               <a:ext uri="{FF2B5EF4-FFF2-40B4-BE49-F238E27FC236}">
-                <a16:creationId xmlns:a16="http://schemas.microsoft.com/office/drawing/2014/main" id="{F8D4AD20-75D8-5EC6-B192-3FA52A2026B6}"/>
+                <a16:creationId xmlns:a16="http://schemas.microsoft.com/office/drawing/2014/main" id="{7C0360A3-F907-4780-29D9-3AF4B45ACDE7}"/>
               </a:ext>
             </a:extLst>
           </p:cNvPr>
-          <p:cNvPicPr>
-            <a:picLocks noChangeAspect="1"/>
-          </p:cNvPicPr>
+          <p:cNvSpPr txBox="1"/>
           <p:nvPr/>
-        </p:nvPicPr>
-        <p:blipFill>
-          <a:blip r:embed="rId2"/>
-          <a:stretch>
-            <a:fillRect/>
-          </a:stretch>
-        </p:blipFill>
-        <p:spPr>
-          <a:xfrm>
-            <a:off x="1706563" y="1450204"/>
-            <a:ext cx="8778873" cy="5326426"/>
+        </p:nvSpPr>
+        <p:spPr>
+          <a:xfrm>
+            <a:off x="5229369" y="2911886"/>
+            <a:ext cx="3868449" cy="1015663"/>
           </a:xfrm>
           <a:prstGeom prst="rect">
             <a:avLst/>
           </a:prstGeom>
-        </p:spPr>
-      </p:pic>
+          <a:noFill/>
+        </p:spPr>
+        <p:txBody>
+          <a:bodyPr wrap="square" rtlCol="0">
+            <a:spAutoFit/>
+          </a:bodyPr>
+          <a:lstStyle/>
+          <a:p>
+            <a:r>
+              <a:rPr lang="en-US" sz="6000" dirty="0">
+                <a:solidFill>
+                  <a:schemeClr val="bg1"/>
+                </a:solidFill>
+                <a:latin typeface="Arial" panose="020B0604020202020204" pitchFamily="34" charset="0"/>
+                <a:cs typeface="Arial" panose="020B0604020202020204" pitchFamily="34" charset="0"/>
+              </a:rPr>
+              <a:t>Demo</a:t>
+            </a:r>
+            <a:endParaRPr lang="en-NZ" sz="6000" dirty="0">
+              <a:solidFill>
+                <a:schemeClr val="bg1"/>
+              </a:solidFill>
+              <a:latin typeface="Arial" panose="020B0604020202020204" pitchFamily="34" charset="0"/>
+              <a:cs typeface="Arial" panose="020B0604020202020204" pitchFamily="34" charset="0"/>
+            </a:endParaRPr>
+          </a:p>
+        </p:txBody>
+      </p:sp>
     </p:spTree>
     <p:extLst>
       <p:ext uri="{BB962C8B-B14F-4D97-AF65-F5344CB8AC3E}">
-        <p14:creationId xmlns:p14="http://schemas.microsoft.com/office/powerpoint/2010/main" val="3026029652"/>
+        <p14:creationId xmlns:p14="http://schemas.microsoft.com/office/powerpoint/2010/main" val="2727101339"/>
       </p:ext>
     </p:extLst>
   </p:cSld>
@@ -6681,8 +6681,8 @@
         </p:nvSpPr>
         <p:spPr>
           <a:xfrm>
-            <a:off x="5049078" y="636104"/>
-            <a:ext cx="4880113" cy="707886"/>
+            <a:off x="4562764" y="636104"/>
+            <a:ext cx="5366427" cy="707886"/>
           </a:xfrm>
           <a:prstGeom prst="rect">
             <a:avLst/>
@@ -6703,7 +6703,7 @@
                 <a:latin typeface="Arial" panose="020B0604020202020204" pitchFamily="34" charset="0"/>
                 <a:cs typeface="Arial" panose="020B0604020202020204" pitchFamily="34" charset="0"/>
               </a:rPr>
-              <a:t>VC Flow</a:t>
+              <a:t>VC Onboarding Flow</a:t>
             </a:r>
             <a:endParaRPr lang="en-NZ" sz="4000" dirty="0">
               <a:solidFill>
@@ -6766,7 +6766,7 @@
     </p:spTree>
     <p:extLst>
       <p:ext uri="{BB962C8B-B14F-4D97-AF65-F5344CB8AC3E}">
-        <p14:creationId xmlns:p14="http://schemas.microsoft.com/office/powerpoint/2010/main" val="2727101339"/>
+        <p14:creationId xmlns:p14="http://schemas.microsoft.com/office/powerpoint/2010/main" val="4272339432"/>
       </p:ext>
     </p:extLst>
   </p:cSld>
@@ -7771,7 +7771,7 @@
         <p:spPr>
           <a:xfrm>
             <a:off x="657224" y="1876425"/>
-            <a:ext cx="9991725" cy="4001095"/>
+            <a:ext cx="9991725" cy="4339650"/>
           </a:xfrm>
           <a:prstGeom prst="rect">
             <a:avLst/>
@@ -7899,11 +7899,25 @@
             </a:r>
           </a:p>
           <a:p>
-            <a:endParaRPr lang="en-NZ" dirty="0">
+            <a:endParaRPr lang="en-NZ" sz="2000" dirty="0">
               <a:solidFill>
                 <a:schemeClr val="bg1"/>
               </a:solidFill>
+              <a:latin typeface="Arial" panose="020B0604020202020204" pitchFamily="34" charset="0"/>
+              <a:cs typeface="Arial" panose="020B0604020202020204" pitchFamily="34" charset="0"/>
             </a:endParaRPr>
+          </a:p>
+          <a:p>
+            <a:r>
+              <a:rPr lang="en-NZ" sz="2000" dirty="0">
+                <a:solidFill>
+                  <a:schemeClr val="bg1"/>
+                </a:solidFill>
+                <a:latin typeface="Arial" panose="020B0604020202020204" pitchFamily="34" charset="0"/>
+                <a:cs typeface="Arial" panose="020B0604020202020204" pitchFamily="34" charset="0"/>
+              </a:rPr>
+              <a:t>https://rbrayb.github.io/Presentations/</a:t>
+            </a:r>
           </a:p>
         </p:txBody>
       </p:sp>
@@ -8310,8 +8324,8 @@
         </p:nvSpPr>
         <p:spPr>
           <a:xfrm>
-            <a:off x="2881313" y="1988599"/>
-            <a:ext cx="7453312" cy="4181292"/>
+            <a:off x="378690" y="1988599"/>
+            <a:ext cx="11212945" cy="4181292"/>
           </a:xfrm>
         </p:spPr>
         <p:txBody>
@@ -8355,7 +8369,7 @@
                 <a:latin typeface="Arial" panose="020B0604020202020204" pitchFamily="34" charset="0"/>
                 <a:cs typeface="Arial" panose="020B0604020202020204" pitchFamily="34" charset="0"/>
               </a:rPr>
-              <a:t>User flow linked to application, so no longer need to send policy name in the request</a:t>
+              <a:t>User flow linked to the application, so no longer need to send policy name in the request</a:t>
             </a:r>
           </a:p>
           <a:p>
@@ -8369,6 +8383,19 @@
                 <a:cs typeface="Arial" panose="020B0604020202020204" pitchFamily="34" charset="0"/>
               </a:rPr>
               <a:t>Will be able to “hook” API to events</a:t>
+            </a:r>
+          </a:p>
+          <a:p>
+            <a:pPr indent="-228600">
+              <a:buFont typeface="Arial" panose="020B0604020202020204" pitchFamily="34" charset="0"/>
+              <a:buChar char="•"/>
+            </a:pPr>
+            <a:r>
+              <a:rPr lang="en-NZ" sz="3600" dirty="0">
+                <a:latin typeface="Arial" panose="020B0604020202020204" pitchFamily="34" charset="0"/>
+                <a:cs typeface="Arial" panose="020B0604020202020204" pitchFamily="34" charset="0"/>
+              </a:rPr>
+              <a:t>“Proper” guest accounts</a:t>
             </a:r>
           </a:p>
           <a:p>
@@ -8629,8 +8656,8 @@
         </p:nvSpPr>
         <p:spPr>
           <a:xfrm>
-            <a:off x="5229369" y="2911886"/>
-            <a:ext cx="3868449" cy="1015663"/>
+            <a:off x="2521527" y="2819523"/>
+            <a:ext cx="7148945" cy="2862322"/>
           </a:xfrm>
           <a:prstGeom prst="rect">
             <a:avLst/>
@@ -8652,6 +8679,34 @@
                 <a:cs typeface="Arial" panose="020B0604020202020204" pitchFamily="34" charset="0"/>
               </a:rPr>
               <a:t>Demo</a:t>
+            </a:r>
+          </a:p>
+          <a:p>
+            <a:endParaRPr lang="en-US" sz="6000" dirty="0">
+              <a:solidFill>
+                <a:schemeClr val="bg1"/>
+              </a:solidFill>
+              <a:latin typeface="Arial" panose="020B0604020202020204" pitchFamily="34" charset="0"/>
+              <a:cs typeface="Arial" panose="020B0604020202020204" pitchFamily="34" charset="0"/>
+            </a:endParaRPr>
+          </a:p>
+          <a:p>
+            <a:r>
+              <a:rPr lang="en-US" sz="6000" dirty="0">
+                <a:solidFill>
+                  <a:schemeClr val="bg1"/>
+                </a:solidFill>
+                <a:latin typeface="Arial" panose="020B0604020202020204" pitchFamily="34" charset="0"/>
+                <a:cs typeface="Arial" panose="020B0604020202020204" pitchFamily="34" charset="0"/>
+                <a:hlinkClick r:id="rId2">
+                  <a:extLst>
+                    <a:ext uri="{A12FA001-AC4F-418D-AE19-62706E023703}">
+                      <ahyp:hlinkClr xmlns:ahyp="http://schemas.microsoft.com/office/drawing/2018/hyperlinkcolor" val="tx"/>
+                    </a:ext>
+                  </a:extLst>
+                </a:hlinkClick>
+              </a:rPr>
+              <a:t>Configuration flow</a:t>
             </a:r>
             <a:endParaRPr lang="en-NZ" sz="6000" dirty="0">
               <a:solidFill>
